--- a/PowerPoints/Web Programming.pptx
+++ b/PowerPoints/Web Programming.pptx
@@ -110,6 +110,11 @@
       </a:defRPr>
     </a:lvl9pPr>
   </p:defaultTextStyle>
+  <p:extLst>
+    <p:ext uri="{EFAFB233-063F-42B5-8137-9DF3F51BA10A}">
+      <p15:sldGuideLst xmlns:p15="http://schemas.microsoft.com/office/powerpoint/2012/main"/>
+    </p:ext>
+  </p:extLst>
 </p:presentation>
 </file>
 
@@ -918,7 +923,7 @@
           <a:p>
             <a:fld id="{7CF0BCE0-945C-4FDF-95A1-2149B1FF5B83}" type="datetimeFigureOut">
               <a:rPr lang="en-US" smtClean="0"/>
-              <a:t>8/16/21</a:t>
+              <a:t>9/28/21</a:t>
             </a:fld>
             <a:endParaRPr lang="en-US"/>
           </a:p>
@@ -1645,7 +1650,7 @@
           <a:p>
             <a:fld id="{7CF0BCE0-945C-4FDF-95A1-2149B1FF5B83}" type="datetimeFigureOut">
               <a:rPr lang="en-US" smtClean="0"/>
-              <a:t>8/16/21</a:t>
+              <a:t>9/28/21</a:t>
             </a:fld>
             <a:endParaRPr lang="en-US"/>
           </a:p>
@@ -2518,7 +2523,7 @@
           <a:p>
             <a:fld id="{7CF0BCE0-945C-4FDF-95A1-2149B1FF5B83}" type="datetimeFigureOut">
               <a:rPr lang="en-US" smtClean="0"/>
-              <a:t>8/16/21</a:t>
+              <a:t>9/28/21</a:t>
             </a:fld>
             <a:endParaRPr lang="en-US"/>
           </a:p>
@@ -3222,7 +3227,7 @@
           <a:p>
             <a:fld id="{7CF0BCE0-945C-4FDF-95A1-2149B1FF5B83}" type="datetimeFigureOut">
               <a:rPr lang="en-US" smtClean="0"/>
-              <a:t>8/16/21</a:t>
+              <a:t>9/28/21</a:t>
             </a:fld>
             <a:endParaRPr lang="en-US"/>
           </a:p>
@@ -3932,7 +3937,7 @@
           <a:p>
             <a:fld id="{7CF0BCE0-945C-4FDF-95A1-2149B1FF5B83}" type="datetimeFigureOut">
               <a:rPr lang="en-US" smtClean="0"/>
-              <a:t>8/16/21</a:t>
+              <a:t>9/28/21</a:t>
             </a:fld>
             <a:endParaRPr lang="en-US" dirty="0"/>
           </a:p>
@@ -4869,7 +4874,7 @@
           <a:p>
             <a:fld id="{7CF0BCE0-945C-4FDF-95A1-2149B1FF5B83}" type="datetimeFigureOut">
               <a:rPr lang="en-US" smtClean="0"/>
-              <a:t>8/16/21</a:t>
+              <a:t>9/28/21</a:t>
             </a:fld>
             <a:endParaRPr lang="en-US"/>
           </a:p>
@@ -6089,7 +6094,7 @@
           <a:p>
             <a:fld id="{7CF0BCE0-945C-4FDF-95A1-2149B1FF5B83}" type="datetimeFigureOut">
               <a:rPr lang="en-US" smtClean="0"/>
-              <a:t>8/16/21</a:t>
+              <a:t>9/28/21</a:t>
             </a:fld>
             <a:endParaRPr lang="en-US"/>
           </a:p>
@@ -6755,7 +6760,7 @@
           <a:p>
             <a:fld id="{7CF0BCE0-945C-4FDF-95A1-2149B1FF5B83}" type="datetimeFigureOut">
               <a:rPr lang="en-US" smtClean="0"/>
-              <a:t>8/16/21</a:t>
+              <a:t>9/28/21</a:t>
             </a:fld>
             <a:endParaRPr lang="en-US"/>
           </a:p>
@@ -7524,7 +7529,7 @@
           <a:p>
             <a:fld id="{7CF0BCE0-945C-4FDF-95A1-2149B1FF5B83}" type="datetimeFigureOut">
               <a:rPr lang="en-US" smtClean="0"/>
-              <a:t>8/16/21</a:t>
+              <a:t>9/28/21</a:t>
             </a:fld>
             <a:endParaRPr lang="en-US"/>
           </a:p>
@@ -8636,7 +8641,7 @@
           <a:p>
             <a:fld id="{7CF0BCE0-945C-4FDF-95A1-2149B1FF5B83}" type="datetimeFigureOut">
               <a:rPr lang="en-US" smtClean="0"/>
-              <a:t>8/16/21</a:t>
+              <a:t>9/28/21</a:t>
             </a:fld>
             <a:endParaRPr lang="en-US"/>
           </a:p>
@@ -9444,7 +9449,7 @@
           <a:p>
             <a:fld id="{7CF0BCE0-945C-4FDF-95A1-2149B1FF5B83}" type="datetimeFigureOut">
               <a:rPr lang="en-US" smtClean="0"/>
-              <a:t>8/16/21</a:t>
+              <a:t>9/28/21</a:t>
             </a:fld>
             <a:endParaRPr lang="en-US"/>
           </a:p>
@@ -9728,7 +9733,7 @@
             <a:fld id="{7CF0BCE0-945C-4FDF-95A1-2149B1FF5B83}" type="datetimeFigureOut">
               <a:rPr lang="en-US" smtClean="0"/>
               <a:pPr algn="r"/>
-              <a:t>8/16/21</a:t>
+              <a:t>9/28/21</a:t>
             </a:fld>
             <a:endParaRPr lang="en-US" dirty="0"/>
           </a:p>
@@ -13426,7 +13431,7 @@
                             </p:stCondLst>
                             <p:childTnLst>
                               <p:par>
-                                <p:cTn id="45" presetID="9" presetClass="entr" presetSubtype="0" fill="hold" grpId="0" nodeType="clickEffect">
+                                <p:cTn id="45" presetID="9" presetClass="entr" presetSubtype="0" fill="hold" nodeType="clickEffect">
                                   <p:stCondLst>
                                     <p:cond delay="0"/>
                                   </p:stCondLst>
@@ -13439,7 +13444,7 @@
                                           </p:stCondLst>
                                         </p:cTn>
                                         <p:tgtEl>
-                                          <p:spTgt spid="6"/>
+                                          <p:spTgt spid="30"/>
                                         </p:tgtEl>
                                         <p:attrNameLst>
                                           <p:attrName>style.visibility</p:attrName>
@@ -13453,7 +13458,7 @@
                                       <p:cBhvr>
                                         <p:cTn id="47" dur="500"/>
                                         <p:tgtEl>
-                                          <p:spTgt spid="6"/>
+                                          <p:spTgt spid="30"/>
                                         </p:tgtEl>
                                       </p:cBhvr>
                                     </p:animEffect>
@@ -13474,7 +13479,7 @@
                                           </p:stCondLst>
                                         </p:cTn>
                                         <p:tgtEl>
-                                          <p:spTgt spid="30"/>
+                                          <p:spTgt spid="34"/>
                                         </p:tgtEl>
                                         <p:attrNameLst>
                                           <p:attrName>style.visibility</p:attrName>
@@ -13488,7 +13493,7 @@
                                       <p:cBhvr>
                                         <p:cTn id="50" dur="500"/>
                                         <p:tgtEl>
-                                          <p:spTgt spid="30"/>
+                                          <p:spTgt spid="34"/>
                                         </p:tgtEl>
                                       </p:cBhvr>
                                     </p:animEffect>
@@ -13544,7 +13549,7 @@
                                           </p:stCondLst>
                                         </p:cTn>
                                         <p:tgtEl>
-                                          <p:spTgt spid="34"/>
+                                          <p:spTgt spid="36"/>
                                         </p:tgtEl>
                                         <p:attrNameLst>
                                           <p:attrName>style.visibility</p:attrName>
@@ -13558,7 +13563,7 @@
                                       <p:cBhvr>
                                         <p:cTn id="56" dur="500"/>
                                         <p:tgtEl>
-                                          <p:spTgt spid="34"/>
+                                          <p:spTgt spid="36"/>
                                         </p:tgtEl>
                                       </p:cBhvr>
                                     </p:animEffect>
@@ -13579,7 +13584,7 @@
                                           </p:stCondLst>
                                         </p:cTn>
                                         <p:tgtEl>
-                                          <p:spTgt spid="36"/>
+                                          <p:spTgt spid="38"/>
                                         </p:tgtEl>
                                         <p:attrNameLst>
                                           <p:attrName>style.visibility</p:attrName>
@@ -13593,7 +13598,7 @@
                                       <p:cBhvr>
                                         <p:cTn id="59" dur="500"/>
                                         <p:tgtEl>
-                                          <p:spTgt spid="36"/>
+                                          <p:spTgt spid="38"/>
                                         </p:tgtEl>
                                       </p:cBhvr>
                                     </p:animEffect>
@@ -13614,7 +13619,7 @@
                                           </p:stCondLst>
                                         </p:cTn>
                                         <p:tgtEl>
-                                          <p:spTgt spid="38"/>
+                                          <p:spTgt spid="44"/>
                                         </p:tgtEl>
                                         <p:attrNameLst>
                                           <p:attrName>style.visibility</p:attrName>
@@ -13628,7 +13633,7 @@
                                       <p:cBhvr>
                                         <p:cTn id="62" dur="500"/>
                                         <p:tgtEl>
-                                          <p:spTgt spid="38"/>
+                                          <p:spTgt spid="44"/>
                                         </p:tgtEl>
                                       </p:cBhvr>
                                     </p:animEffect>
@@ -13719,7 +13724,7 @@
                                           </p:stCondLst>
                                         </p:cTn>
                                         <p:tgtEl>
-                                          <p:spTgt spid="44"/>
+                                          <p:spTgt spid="46"/>
                                         </p:tgtEl>
                                         <p:attrNameLst>
                                           <p:attrName>style.visibility</p:attrName>
@@ -13733,7 +13738,42 @@
                                       <p:cBhvr>
                                         <p:cTn id="71" dur="500"/>
                                         <p:tgtEl>
-                                          <p:spTgt spid="44"/>
+                                          <p:spTgt spid="46"/>
+                                        </p:tgtEl>
+                                      </p:cBhvr>
+                                    </p:animEffect>
+                                  </p:childTnLst>
+                                </p:cTn>
+                              </p:par>
+                              <p:par>
+                                <p:cTn id="72" presetID="9" presetClass="entr" presetSubtype="0" fill="hold" grpId="0" nodeType="withEffect">
+                                  <p:stCondLst>
+                                    <p:cond delay="0"/>
+                                  </p:stCondLst>
+                                  <p:childTnLst>
+                                    <p:set>
+                                      <p:cBhvr>
+                                        <p:cTn id="73" dur="1" fill="hold">
+                                          <p:stCondLst>
+                                            <p:cond delay="0"/>
+                                          </p:stCondLst>
+                                        </p:cTn>
+                                        <p:tgtEl>
+                                          <p:spTgt spid="6"/>
+                                        </p:tgtEl>
+                                        <p:attrNameLst>
+                                          <p:attrName>style.visibility</p:attrName>
+                                        </p:attrNameLst>
+                                      </p:cBhvr>
+                                      <p:to>
+                                        <p:strVal val="visible"/>
+                                      </p:to>
+                                    </p:set>
+                                    <p:animEffect transition="in" filter="dissolve">
+                                      <p:cBhvr>
+                                        <p:cTn id="74" dur="500"/>
+                                        <p:tgtEl>
+                                          <p:spTgt spid="6"/>
                                         </p:tgtEl>
                                       </p:cBhvr>
                                     </p:animEffect>
